--- a/ppt 16-9/1480.我今天为你祝.pptx
+++ b/ppt 16-9/1480.我今天为你祝.pptx
@@ -5,7 +5,7 @@
     <p:sldMasterId id="2147483648" r:id="rId1"/>
   </p:sldMasterIdLst>
   <p:sldIdLst>
-    <p:sldId id="1054" r:id="rId2"/>
+    <p:sldId id="1055" r:id="rId2"/>
   </p:sldIdLst>
   <p:sldSz cx="12192000" cy="6858000"/>
   <p:notesSz cx="6858000" cy="9144000"/>
@@ -129,7 +129,7 @@
           <p:cNvPr id="2" name="标题 1">
             <a:extLst>
               <a:ext uri="{FF2B5EF4-FFF2-40B4-BE49-F238E27FC236}">
-                <a16:creationId xmlns:a16="http://schemas.microsoft.com/office/drawing/2014/main" id="{E1E2737A-F9E5-38D6-0027-0E27E6BA4E43}"/>
+                <a16:creationId xmlns:a16="http://schemas.microsoft.com/office/drawing/2014/main" id="{3A9196EE-F355-1236-2253-FA4D31B18B56}"/>
               </a:ext>
             </a:extLst>
           </p:cNvPr>
@@ -166,7 +166,7 @@
           <p:cNvPr id="3" name="副标题 2">
             <a:extLst>
               <a:ext uri="{FF2B5EF4-FFF2-40B4-BE49-F238E27FC236}">
-                <a16:creationId xmlns:a16="http://schemas.microsoft.com/office/drawing/2014/main" id="{69CE855D-6F2D-7C51-56C9-9F9BAC9D1BE0}"/>
+                <a16:creationId xmlns:a16="http://schemas.microsoft.com/office/drawing/2014/main" id="{ABEEC5C3-92BA-FE64-06F4-FA218FFA15AB}"/>
               </a:ext>
             </a:extLst>
           </p:cNvPr>
@@ -236,7 +236,7 @@
           <p:cNvPr id="4" name="日期占位符 3">
             <a:extLst>
               <a:ext uri="{FF2B5EF4-FFF2-40B4-BE49-F238E27FC236}">
-                <a16:creationId xmlns:a16="http://schemas.microsoft.com/office/drawing/2014/main" id="{C565F5A0-8072-F0BF-C7B8-EF276ECA24AC}"/>
+                <a16:creationId xmlns:a16="http://schemas.microsoft.com/office/drawing/2014/main" id="{D27986DD-3D4F-3F44-5555-EAF0142FBB41}"/>
               </a:ext>
             </a:extLst>
           </p:cNvPr>
@@ -252,7 +252,7 @@
           <a:bodyPr/>
           <a:lstStyle/>
           <a:p>
-            <a:fld id="{74A8269C-9760-45FC-9357-2211A120E14D}" type="datetimeFigureOut">
+            <a:fld id="{CC8E023C-B920-4E7A-B83B-BFA9BA735DD6}" type="datetimeFigureOut">
               <a:rPr lang="zh-CN" altLang="en-US" smtClean="0"/>
               <a:t>2024/3/10</a:t>
             </a:fld>
@@ -265,7 +265,7 @@
           <p:cNvPr id="5" name="页脚占位符 4">
             <a:extLst>
               <a:ext uri="{FF2B5EF4-FFF2-40B4-BE49-F238E27FC236}">
-                <a16:creationId xmlns:a16="http://schemas.microsoft.com/office/drawing/2014/main" id="{047826A2-FC28-AF11-D529-5E70F109B1DB}"/>
+                <a16:creationId xmlns:a16="http://schemas.microsoft.com/office/drawing/2014/main" id="{8803AC66-61C7-746F-0BBE-6353F44C0CB2}"/>
               </a:ext>
             </a:extLst>
           </p:cNvPr>
@@ -290,7 +290,7 @@
           <p:cNvPr id="6" name="灯片编号占位符 5">
             <a:extLst>
               <a:ext uri="{FF2B5EF4-FFF2-40B4-BE49-F238E27FC236}">
-                <a16:creationId xmlns:a16="http://schemas.microsoft.com/office/drawing/2014/main" id="{D0BAB5FF-E367-952E-1A21-F2DEAF98D8D1}"/>
+                <a16:creationId xmlns:a16="http://schemas.microsoft.com/office/drawing/2014/main" id="{B341A25D-BBB2-D206-634F-0F31FFA9FBB1}"/>
               </a:ext>
             </a:extLst>
           </p:cNvPr>
@@ -306,7 +306,7 @@
           <a:bodyPr/>
           <a:lstStyle/>
           <a:p>
-            <a:fld id="{61789839-6B13-46D2-9E9A-3B30569D0337}" type="slidenum">
+            <a:fld id="{37E78ABC-EE6A-43CF-8073-0C0A50843726}" type="slidenum">
               <a:rPr lang="zh-CN" altLang="en-US" smtClean="0"/>
               <a:t>‹#›</a:t>
             </a:fld>
@@ -317,7 +317,7 @@
     </p:spTree>
     <p:extLst>
       <p:ext uri="{BB962C8B-B14F-4D97-AF65-F5344CB8AC3E}">
-        <p14:creationId xmlns:p14="http://schemas.microsoft.com/office/powerpoint/2010/main" val="4147436028"/>
+        <p14:creationId xmlns:p14="http://schemas.microsoft.com/office/powerpoint/2010/main" val="3150076035"/>
       </p:ext>
     </p:extLst>
   </p:cSld>
@@ -349,7 +349,7 @@
           <p:cNvPr id="2" name="标题 1">
             <a:extLst>
               <a:ext uri="{FF2B5EF4-FFF2-40B4-BE49-F238E27FC236}">
-                <a16:creationId xmlns:a16="http://schemas.microsoft.com/office/drawing/2014/main" id="{ECB2B8C4-79FF-11EB-8DDC-91B9B3E2F39E}"/>
+                <a16:creationId xmlns:a16="http://schemas.microsoft.com/office/drawing/2014/main" id="{6E0A1559-6D3C-1A57-3F12-9C2D82B75B20}"/>
               </a:ext>
             </a:extLst>
           </p:cNvPr>
@@ -377,7 +377,7 @@
           <p:cNvPr id="3" name="竖排文字占位符 2">
             <a:extLst>
               <a:ext uri="{FF2B5EF4-FFF2-40B4-BE49-F238E27FC236}">
-                <a16:creationId xmlns:a16="http://schemas.microsoft.com/office/drawing/2014/main" id="{FD3AC6BB-E7AE-7404-7F7E-B7D809DA8BB0}"/>
+                <a16:creationId xmlns:a16="http://schemas.microsoft.com/office/drawing/2014/main" id="{3D337EFD-F77D-9F3D-7A7D-B5475D58B0C5}"/>
               </a:ext>
             </a:extLst>
           </p:cNvPr>
@@ -434,7 +434,7 @@
           <p:cNvPr id="4" name="日期占位符 3">
             <a:extLst>
               <a:ext uri="{FF2B5EF4-FFF2-40B4-BE49-F238E27FC236}">
-                <a16:creationId xmlns:a16="http://schemas.microsoft.com/office/drawing/2014/main" id="{A40EBABD-7C63-13E5-7FB4-0E33493D00FD}"/>
+                <a16:creationId xmlns:a16="http://schemas.microsoft.com/office/drawing/2014/main" id="{E13A1AE3-0129-D911-7F09-13BBB759B725}"/>
               </a:ext>
             </a:extLst>
           </p:cNvPr>
@@ -450,7 +450,7 @@
           <a:bodyPr/>
           <a:lstStyle/>
           <a:p>
-            <a:fld id="{74A8269C-9760-45FC-9357-2211A120E14D}" type="datetimeFigureOut">
+            <a:fld id="{CC8E023C-B920-4E7A-B83B-BFA9BA735DD6}" type="datetimeFigureOut">
               <a:rPr lang="zh-CN" altLang="en-US" smtClean="0"/>
               <a:t>2024/3/10</a:t>
             </a:fld>
@@ -463,7 +463,7 @@
           <p:cNvPr id="5" name="页脚占位符 4">
             <a:extLst>
               <a:ext uri="{FF2B5EF4-FFF2-40B4-BE49-F238E27FC236}">
-                <a16:creationId xmlns:a16="http://schemas.microsoft.com/office/drawing/2014/main" id="{25C48F94-2D4F-B24D-F19E-E741DDF2DD8B}"/>
+                <a16:creationId xmlns:a16="http://schemas.microsoft.com/office/drawing/2014/main" id="{7F7D33B3-6490-32CC-0FF2-6CCFADFFA244}"/>
               </a:ext>
             </a:extLst>
           </p:cNvPr>
@@ -488,7 +488,7 @@
           <p:cNvPr id="6" name="灯片编号占位符 5">
             <a:extLst>
               <a:ext uri="{FF2B5EF4-FFF2-40B4-BE49-F238E27FC236}">
-                <a16:creationId xmlns:a16="http://schemas.microsoft.com/office/drawing/2014/main" id="{4EE5D526-A14B-9B4A-3CE8-6EDFDCA66976}"/>
+                <a16:creationId xmlns:a16="http://schemas.microsoft.com/office/drawing/2014/main" id="{09B133A5-F28A-5836-37A4-43954C042C02}"/>
               </a:ext>
             </a:extLst>
           </p:cNvPr>
@@ -504,7 +504,7 @@
           <a:bodyPr/>
           <a:lstStyle/>
           <a:p>
-            <a:fld id="{61789839-6B13-46D2-9E9A-3B30569D0337}" type="slidenum">
+            <a:fld id="{37E78ABC-EE6A-43CF-8073-0C0A50843726}" type="slidenum">
               <a:rPr lang="zh-CN" altLang="en-US" smtClean="0"/>
               <a:t>‹#›</a:t>
             </a:fld>
@@ -515,7 +515,7 @@
     </p:spTree>
     <p:extLst>
       <p:ext uri="{BB962C8B-B14F-4D97-AF65-F5344CB8AC3E}">
-        <p14:creationId xmlns:p14="http://schemas.microsoft.com/office/powerpoint/2010/main" val="3220234275"/>
+        <p14:creationId xmlns:p14="http://schemas.microsoft.com/office/powerpoint/2010/main" val="2012557315"/>
       </p:ext>
     </p:extLst>
   </p:cSld>
@@ -547,7 +547,7 @@
           <p:cNvPr id="2" name="竖排标题 1">
             <a:extLst>
               <a:ext uri="{FF2B5EF4-FFF2-40B4-BE49-F238E27FC236}">
-                <a16:creationId xmlns:a16="http://schemas.microsoft.com/office/drawing/2014/main" id="{CE22CD44-769C-79DF-090C-9F7650DBDC05}"/>
+                <a16:creationId xmlns:a16="http://schemas.microsoft.com/office/drawing/2014/main" id="{D95EDC60-2BB3-EB09-C21F-27AB079D27F0}"/>
               </a:ext>
             </a:extLst>
           </p:cNvPr>
@@ -580,7 +580,7 @@
           <p:cNvPr id="3" name="竖排文字占位符 2">
             <a:extLst>
               <a:ext uri="{FF2B5EF4-FFF2-40B4-BE49-F238E27FC236}">
-                <a16:creationId xmlns:a16="http://schemas.microsoft.com/office/drawing/2014/main" id="{9D371B04-BAE7-BC50-BF2E-669768B7E2EF}"/>
+                <a16:creationId xmlns:a16="http://schemas.microsoft.com/office/drawing/2014/main" id="{10EB63C0-687C-0409-5CA1-F6469F313FEF}"/>
               </a:ext>
             </a:extLst>
           </p:cNvPr>
@@ -642,7 +642,7 @@
           <p:cNvPr id="4" name="日期占位符 3">
             <a:extLst>
               <a:ext uri="{FF2B5EF4-FFF2-40B4-BE49-F238E27FC236}">
-                <a16:creationId xmlns:a16="http://schemas.microsoft.com/office/drawing/2014/main" id="{55DEC07B-FA00-902E-2C14-E5B6052C462B}"/>
+                <a16:creationId xmlns:a16="http://schemas.microsoft.com/office/drawing/2014/main" id="{CABCDC70-6303-E70B-7CCE-681104B28AB4}"/>
               </a:ext>
             </a:extLst>
           </p:cNvPr>
@@ -658,7 +658,7 @@
           <a:bodyPr/>
           <a:lstStyle/>
           <a:p>
-            <a:fld id="{74A8269C-9760-45FC-9357-2211A120E14D}" type="datetimeFigureOut">
+            <a:fld id="{CC8E023C-B920-4E7A-B83B-BFA9BA735DD6}" type="datetimeFigureOut">
               <a:rPr lang="zh-CN" altLang="en-US" smtClean="0"/>
               <a:t>2024/3/10</a:t>
             </a:fld>
@@ -671,7 +671,7 @@
           <p:cNvPr id="5" name="页脚占位符 4">
             <a:extLst>
               <a:ext uri="{FF2B5EF4-FFF2-40B4-BE49-F238E27FC236}">
-                <a16:creationId xmlns:a16="http://schemas.microsoft.com/office/drawing/2014/main" id="{6B9A820C-4CAC-3A5F-58C4-B9DDFCF30706}"/>
+                <a16:creationId xmlns:a16="http://schemas.microsoft.com/office/drawing/2014/main" id="{DAA5DB73-FC6D-E11D-EA8D-450E05917373}"/>
               </a:ext>
             </a:extLst>
           </p:cNvPr>
@@ -696,7 +696,7 @@
           <p:cNvPr id="6" name="灯片编号占位符 5">
             <a:extLst>
               <a:ext uri="{FF2B5EF4-FFF2-40B4-BE49-F238E27FC236}">
-                <a16:creationId xmlns:a16="http://schemas.microsoft.com/office/drawing/2014/main" id="{5769D0AC-660C-97AE-EE10-782993BF873F}"/>
+                <a16:creationId xmlns:a16="http://schemas.microsoft.com/office/drawing/2014/main" id="{3F911F20-64FE-AEB5-1021-703720F0457A}"/>
               </a:ext>
             </a:extLst>
           </p:cNvPr>
@@ -712,7 +712,7 @@
           <a:bodyPr/>
           <a:lstStyle/>
           <a:p>
-            <a:fld id="{61789839-6B13-46D2-9E9A-3B30569D0337}" type="slidenum">
+            <a:fld id="{37E78ABC-EE6A-43CF-8073-0C0A50843726}" type="slidenum">
               <a:rPr lang="zh-CN" altLang="en-US" smtClean="0"/>
               <a:t>‹#›</a:t>
             </a:fld>
@@ -723,7 +723,7 @@
     </p:spTree>
     <p:extLst>
       <p:ext uri="{BB962C8B-B14F-4D97-AF65-F5344CB8AC3E}">
-        <p14:creationId xmlns:p14="http://schemas.microsoft.com/office/powerpoint/2010/main" val="3424277822"/>
+        <p14:creationId xmlns:p14="http://schemas.microsoft.com/office/powerpoint/2010/main" val="2913749743"/>
       </p:ext>
     </p:extLst>
   </p:cSld>
@@ -755,7 +755,7 @@
           <p:cNvPr id="2" name="标题 1">
             <a:extLst>
               <a:ext uri="{FF2B5EF4-FFF2-40B4-BE49-F238E27FC236}">
-                <a16:creationId xmlns:a16="http://schemas.microsoft.com/office/drawing/2014/main" id="{924DC9FB-4FFF-6D33-BEC3-F27F0CBEEE24}"/>
+                <a16:creationId xmlns:a16="http://schemas.microsoft.com/office/drawing/2014/main" id="{9A91201E-FB57-5268-9DC2-DC678910D2CA}"/>
               </a:ext>
             </a:extLst>
           </p:cNvPr>
@@ -783,7 +783,7 @@
           <p:cNvPr id="3" name="内容占位符 2">
             <a:extLst>
               <a:ext uri="{FF2B5EF4-FFF2-40B4-BE49-F238E27FC236}">
-                <a16:creationId xmlns:a16="http://schemas.microsoft.com/office/drawing/2014/main" id="{FBC9788F-FDF6-20CA-66F7-7590B6206965}"/>
+                <a16:creationId xmlns:a16="http://schemas.microsoft.com/office/drawing/2014/main" id="{8F30C808-DA9F-C578-8FCE-0A124820EDAE}"/>
               </a:ext>
             </a:extLst>
           </p:cNvPr>
@@ -840,7 +840,7 @@
           <p:cNvPr id="4" name="日期占位符 3">
             <a:extLst>
               <a:ext uri="{FF2B5EF4-FFF2-40B4-BE49-F238E27FC236}">
-                <a16:creationId xmlns:a16="http://schemas.microsoft.com/office/drawing/2014/main" id="{D9C59931-52FE-2E5C-B618-5C6F2780A666}"/>
+                <a16:creationId xmlns:a16="http://schemas.microsoft.com/office/drawing/2014/main" id="{2570B4C6-8A5C-00A0-6B26-18C3F0E1B9C1}"/>
               </a:ext>
             </a:extLst>
           </p:cNvPr>
@@ -856,7 +856,7 @@
           <a:bodyPr/>
           <a:lstStyle/>
           <a:p>
-            <a:fld id="{74A8269C-9760-45FC-9357-2211A120E14D}" type="datetimeFigureOut">
+            <a:fld id="{CC8E023C-B920-4E7A-B83B-BFA9BA735DD6}" type="datetimeFigureOut">
               <a:rPr lang="zh-CN" altLang="en-US" smtClean="0"/>
               <a:t>2024/3/10</a:t>
             </a:fld>
@@ -869,7 +869,7 @@
           <p:cNvPr id="5" name="页脚占位符 4">
             <a:extLst>
               <a:ext uri="{FF2B5EF4-FFF2-40B4-BE49-F238E27FC236}">
-                <a16:creationId xmlns:a16="http://schemas.microsoft.com/office/drawing/2014/main" id="{D4E299B6-3236-CAD6-BD8B-1D89D5269E45}"/>
+                <a16:creationId xmlns:a16="http://schemas.microsoft.com/office/drawing/2014/main" id="{950DDB9C-CA55-327D-379A-01E384DB253F}"/>
               </a:ext>
             </a:extLst>
           </p:cNvPr>
@@ -894,7 +894,7 @@
           <p:cNvPr id="6" name="灯片编号占位符 5">
             <a:extLst>
               <a:ext uri="{FF2B5EF4-FFF2-40B4-BE49-F238E27FC236}">
-                <a16:creationId xmlns:a16="http://schemas.microsoft.com/office/drawing/2014/main" id="{C377062E-E7C8-30C4-44F0-B664E865B556}"/>
+                <a16:creationId xmlns:a16="http://schemas.microsoft.com/office/drawing/2014/main" id="{3B1A3BA6-294C-53CD-FD8B-283CFA216B1D}"/>
               </a:ext>
             </a:extLst>
           </p:cNvPr>
@@ -910,7 +910,7 @@
           <a:bodyPr/>
           <a:lstStyle/>
           <a:p>
-            <a:fld id="{61789839-6B13-46D2-9E9A-3B30569D0337}" type="slidenum">
+            <a:fld id="{37E78ABC-EE6A-43CF-8073-0C0A50843726}" type="slidenum">
               <a:rPr lang="zh-CN" altLang="en-US" smtClean="0"/>
               <a:t>‹#›</a:t>
             </a:fld>
@@ -921,7 +921,7 @@
     </p:spTree>
     <p:extLst>
       <p:ext uri="{BB962C8B-B14F-4D97-AF65-F5344CB8AC3E}">
-        <p14:creationId xmlns:p14="http://schemas.microsoft.com/office/powerpoint/2010/main" val="300552346"/>
+        <p14:creationId xmlns:p14="http://schemas.microsoft.com/office/powerpoint/2010/main" val="1206177105"/>
       </p:ext>
     </p:extLst>
   </p:cSld>
@@ -953,7 +953,7 @@
           <p:cNvPr id="2" name="标题 1">
             <a:extLst>
               <a:ext uri="{FF2B5EF4-FFF2-40B4-BE49-F238E27FC236}">
-                <a16:creationId xmlns:a16="http://schemas.microsoft.com/office/drawing/2014/main" id="{1A34A6BF-7FFC-CC7E-88B9-643BCC37DB43}"/>
+                <a16:creationId xmlns:a16="http://schemas.microsoft.com/office/drawing/2014/main" id="{5C2A84B3-69B8-E1EC-1408-3C139895C3F3}"/>
               </a:ext>
             </a:extLst>
           </p:cNvPr>
@@ -990,7 +990,7 @@
           <p:cNvPr id="3" name="文本占位符 2">
             <a:extLst>
               <a:ext uri="{FF2B5EF4-FFF2-40B4-BE49-F238E27FC236}">
-                <a16:creationId xmlns:a16="http://schemas.microsoft.com/office/drawing/2014/main" id="{4B15F59B-7186-5981-8B63-7109E7676F93}"/>
+                <a16:creationId xmlns:a16="http://schemas.microsoft.com/office/drawing/2014/main" id="{99202EB0-4805-3BA8-D2A9-D36EA17373B9}"/>
               </a:ext>
             </a:extLst>
           </p:cNvPr>
@@ -1115,7 +1115,7 @@
           <p:cNvPr id="4" name="日期占位符 3">
             <a:extLst>
               <a:ext uri="{FF2B5EF4-FFF2-40B4-BE49-F238E27FC236}">
-                <a16:creationId xmlns:a16="http://schemas.microsoft.com/office/drawing/2014/main" id="{6A011D46-D805-A043-A99C-EB64A7910EDA}"/>
+                <a16:creationId xmlns:a16="http://schemas.microsoft.com/office/drawing/2014/main" id="{5B6AF9CE-88B9-BA94-80B5-83407076517B}"/>
               </a:ext>
             </a:extLst>
           </p:cNvPr>
@@ -1131,7 +1131,7 @@
           <a:bodyPr/>
           <a:lstStyle/>
           <a:p>
-            <a:fld id="{74A8269C-9760-45FC-9357-2211A120E14D}" type="datetimeFigureOut">
+            <a:fld id="{CC8E023C-B920-4E7A-B83B-BFA9BA735DD6}" type="datetimeFigureOut">
               <a:rPr lang="zh-CN" altLang="en-US" smtClean="0"/>
               <a:t>2024/3/10</a:t>
             </a:fld>
@@ -1144,7 +1144,7 @@
           <p:cNvPr id="5" name="页脚占位符 4">
             <a:extLst>
               <a:ext uri="{FF2B5EF4-FFF2-40B4-BE49-F238E27FC236}">
-                <a16:creationId xmlns:a16="http://schemas.microsoft.com/office/drawing/2014/main" id="{BCEAD48B-8367-26F1-3671-614736189748}"/>
+                <a16:creationId xmlns:a16="http://schemas.microsoft.com/office/drawing/2014/main" id="{42EF8E84-A5C1-F26F-406D-EC645D2B6DD4}"/>
               </a:ext>
             </a:extLst>
           </p:cNvPr>
@@ -1169,7 +1169,7 @@
           <p:cNvPr id="6" name="灯片编号占位符 5">
             <a:extLst>
               <a:ext uri="{FF2B5EF4-FFF2-40B4-BE49-F238E27FC236}">
-                <a16:creationId xmlns:a16="http://schemas.microsoft.com/office/drawing/2014/main" id="{7E9C9578-8FDA-AA94-09C6-B4C6185E5C3C}"/>
+                <a16:creationId xmlns:a16="http://schemas.microsoft.com/office/drawing/2014/main" id="{92351D7F-55B2-567E-280B-4AD93B985242}"/>
               </a:ext>
             </a:extLst>
           </p:cNvPr>
@@ -1185,7 +1185,7 @@
           <a:bodyPr/>
           <a:lstStyle/>
           <a:p>
-            <a:fld id="{61789839-6B13-46D2-9E9A-3B30569D0337}" type="slidenum">
+            <a:fld id="{37E78ABC-EE6A-43CF-8073-0C0A50843726}" type="slidenum">
               <a:rPr lang="zh-CN" altLang="en-US" smtClean="0"/>
               <a:t>‹#›</a:t>
             </a:fld>
@@ -1196,7 +1196,7 @@
     </p:spTree>
     <p:extLst>
       <p:ext uri="{BB962C8B-B14F-4D97-AF65-F5344CB8AC3E}">
-        <p14:creationId xmlns:p14="http://schemas.microsoft.com/office/powerpoint/2010/main" val="1284179480"/>
+        <p14:creationId xmlns:p14="http://schemas.microsoft.com/office/powerpoint/2010/main" val="2720345120"/>
       </p:ext>
     </p:extLst>
   </p:cSld>
@@ -1228,7 +1228,7 @@
           <p:cNvPr id="2" name="标题 1">
             <a:extLst>
               <a:ext uri="{FF2B5EF4-FFF2-40B4-BE49-F238E27FC236}">
-                <a16:creationId xmlns:a16="http://schemas.microsoft.com/office/drawing/2014/main" id="{AEAEE9CB-3A7E-2CF5-20F7-2230623D9077}"/>
+                <a16:creationId xmlns:a16="http://schemas.microsoft.com/office/drawing/2014/main" id="{2E2ED4CF-FEA3-FB8F-2C58-56DE1DC6644E}"/>
               </a:ext>
             </a:extLst>
           </p:cNvPr>
@@ -1256,7 +1256,7 @@
           <p:cNvPr id="3" name="内容占位符 2">
             <a:extLst>
               <a:ext uri="{FF2B5EF4-FFF2-40B4-BE49-F238E27FC236}">
-                <a16:creationId xmlns:a16="http://schemas.microsoft.com/office/drawing/2014/main" id="{0BDD1945-F795-2159-4C44-0F4A962B1A24}"/>
+                <a16:creationId xmlns:a16="http://schemas.microsoft.com/office/drawing/2014/main" id="{CF188FE0-ED85-647E-8B3A-A5F5E95834A6}"/>
               </a:ext>
             </a:extLst>
           </p:cNvPr>
@@ -1318,7 +1318,7 @@
           <p:cNvPr id="4" name="内容占位符 3">
             <a:extLst>
               <a:ext uri="{FF2B5EF4-FFF2-40B4-BE49-F238E27FC236}">
-                <a16:creationId xmlns:a16="http://schemas.microsoft.com/office/drawing/2014/main" id="{ACEDB9C2-9FF4-F729-36B2-F6D8DA0A01FB}"/>
+                <a16:creationId xmlns:a16="http://schemas.microsoft.com/office/drawing/2014/main" id="{F887F860-9E94-3DE6-61A9-D89869787F62}"/>
               </a:ext>
             </a:extLst>
           </p:cNvPr>
@@ -1380,7 +1380,7 @@
           <p:cNvPr id="5" name="日期占位符 4">
             <a:extLst>
               <a:ext uri="{FF2B5EF4-FFF2-40B4-BE49-F238E27FC236}">
-                <a16:creationId xmlns:a16="http://schemas.microsoft.com/office/drawing/2014/main" id="{8947E9C9-B681-2BDA-AD2E-D2B06E601F39}"/>
+                <a16:creationId xmlns:a16="http://schemas.microsoft.com/office/drawing/2014/main" id="{3422AE48-7D06-C5CD-96A6-2250FAA26676}"/>
               </a:ext>
             </a:extLst>
           </p:cNvPr>
@@ -1396,7 +1396,7 @@
           <a:bodyPr/>
           <a:lstStyle/>
           <a:p>
-            <a:fld id="{74A8269C-9760-45FC-9357-2211A120E14D}" type="datetimeFigureOut">
+            <a:fld id="{CC8E023C-B920-4E7A-B83B-BFA9BA735DD6}" type="datetimeFigureOut">
               <a:rPr lang="zh-CN" altLang="en-US" smtClean="0"/>
               <a:t>2024/3/10</a:t>
             </a:fld>
@@ -1409,7 +1409,7 @@
           <p:cNvPr id="6" name="页脚占位符 5">
             <a:extLst>
               <a:ext uri="{FF2B5EF4-FFF2-40B4-BE49-F238E27FC236}">
-                <a16:creationId xmlns:a16="http://schemas.microsoft.com/office/drawing/2014/main" id="{46EB058A-A58B-4C08-FCE0-EE656093E6AF}"/>
+                <a16:creationId xmlns:a16="http://schemas.microsoft.com/office/drawing/2014/main" id="{6911F8E0-256D-826F-374D-81749CB33D3C}"/>
               </a:ext>
             </a:extLst>
           </p:cNvPr>
@@ -1434,7 +1434,7 @@
           <p:cNvPr id="7" name="灯片编号占位符 6">
             <a:extLst>
               <a:ext uri="{FF2B5EF4-FFF2-40B4-BE49-F238E27FC236}">
-                <a16:creationId xmlns:a16="http://schemas.microsoft.com/office/drawing/2014/main" id="{512705A3-7E22-1146-7A46-06279ABBC664}"/>
+                <a16:creationId xmlns:a16="http://schemas.microsoft.com/office/drawing/2014/main" id="{9A3260F8-3E97-F358-62DF-A62BDD5ABBEB}"/>
               </a:ext>
             </a:extLst>
           </p:cNvPr>
@@ -1450,7 +1450,7 @@
           <a:bodyPr/>
           <a:lstStyle/>
           <a:p>
-            <a:fld id="{61789839-6B13-46D2-9E9A-3B30569D0337}" type="slidenum">
+            <a:fld id="{37E78ABC-EE6A-43CF-8073-0C0A50843726}" type="slidenum">
               <a:rPr lang="zh-CN" altLang="en-US" smtClean="0"/>
               <a:t>‹#›</a:t>
             </a:fld>
@@ -1461,7 +1461,7 @@
     </p:spTree>
     <p:extLst>
       <p:ext uri="{BB962C8B-B14F-4D97-AF65-F5344CB8AC3E}">
-        <p14:creationId xmlns:p14="http://schemas.microsoft.com/office/powerpoint/2010/main" val="2213173142"/>
+        <p14:creationId xmlns:p14="http://schemas.microsoft.com/office/powerpoint/2010/main" val="602133986"/>
       </p:ext>
     </p:extLst>
   </p:cSld>
@@ -1493,7 +1493,7 @@
           <p:cNvPr id="2" name="标题 1">
             <a:extLst>
               <a:ext uri="{FF2B5EF4-FFF2-40B4-BE49-F238E27FC236}">
-                <a16:creationId xmlns:a16="http://schemas.microsoft.com/office/drawing/2014/main" id="{E364EC35-1A58-50C5-8828-5F8B3E0292D0}"/>
+                <a16:creationId xmlns:a16="http://schemas.microsoft.com/office/drawing/2014/main" id="{F3E629D9-C1AF-B7A0-6EFB-D39331F2B05F}"/>
               </a:ext>
             </a:extLst>
           </p:cNvPr>
@@ -1526,7 +1526,7 @@
           <p:cNvPr id="3" name="文本占位符 2">
             <a:extLst>
               <a:ext uri="{FF2B5EF4-FFF2-40B4-BE49-F238E27FC236}">
-                <a16:creationId xmlns:a16="http://schemas.microsoft.com/office/drawing/2014/main" id="{B83AAE7F-D17F-682C-AE99-1FB39B8353B0}"/>
+                <a16:creationId xmlns:a16="http://schemas.microsoft.com/office/drawing/2014/main" id="{3608D5EF-6DC0-ED0C-82C9-37C845C64E10}"/>
               </a:ext>
             </a:extLst>
           </p:cNvPr>
@@ -1597,7 +1597,7 @@
           <p:cNvPr id="4" name="内容占位符 3">
             <a:extLst>
               <a:ext uri="{FF2B5EF4-FFF2-40B4-BE49-F238E27FC236}">
-                <a16:creationId xmlns:a16="http://schemas.microsoft.com/office/drawing/2014/main" id="{59DBB312-4D83-30BE-A34E-1FDFD85329EC}"/>
+                <a16:creationId xmlns:a16="http://schemas.microsoft.com/office/drawing/2014/main" id="{5751CD03-9117-6215-0BE4-05B5C59FE27B}"/>
               </a:ext>
             </a:extLst>
           </p:cNvPr>
@@ -1659,7 +1659,7 @@
           <p:cNvPr id="5" name="文本占位符 4">
             <a:extLst>
               <a:ext uri="{FF2B5EF4-FFF2-40B4-BE49-F238E27FC236}">
-                <a16:creationId xmlns:a16="http://schemas.microsoft.com/office/drawing/2014/main" id="{830B6B5F-03F2-E129-1611-F14710B7B434}"/>
+                <a16:creationId xmlns:a16="http://schemas.microsoft.com/office/drawing/2014/main" id="{0405179F-C555-F459-3D89-2E578E65F2CF}"/>
               </a:ext>
             </a:extLst>
           </p:cNvPr>
@@ -1730,7 +1730,7 @@
           <p:cNvPr id="6" name="内容占位符 5">
             <a:extLst>
               <a:ext uri="{FF2B5EF4-FFF2-40B4-BE49-F238E27FC236}">
-                <a16:creationId xmlns:a16="http://schemas.microsoft.com/office/drawing/2014/main" id="{06360955-04A3-F39F-BE61-AF3E314B237A}"/>
+                <a16:creationId xmlns:a16="http://schemas.microsoft.com/office/drawing/2014/main" id="{29AB3BEB-9FEE-424B-E743-2860F7A8C4D2}"/>
               </a:ext>
             </a:extLst>
           </p:cNvPr>
@@ -1792,7 +1792,7 @@
           <p:cNvPr id="7" name="日期占位符 6">
             <a:extLst>
               <a:ext uri="{FF2B5EF4-FFF2-40B4-BE49-F238E27FC236}">
-                <a16:creationId xmlns:a16="http://schemas.microsoft.com/office/drawing/2014/main" id="{6D8F1873-A476-A7C4-60B9-5CB6DEA88156}"/>
+                <a16:creationId xmlns:a16="http://schemas.microsoft.com/office/drawing/2014/main" id="{C195C69B-8EC3-6599-4977-A6A836945833}"/>
               </a:ext>
             </a:extLst>
           </p:cNvPr>
@@ -1808,7 +1808,7 @@
           <a:bodyPr/>
           <a:lstStyle/>
           <a:p>
-            <a:fld id="{74A8269C-9760-45FC-9357-2211A120E14D}" type="datetimeFigureOut">
+            <a:fld id="{CC8E023C-B920-4E7A-B83B-BFA9BA735DD6}" type="datetimeFigureOut">
               <a:rPr lang="zh-CN" altLang="en-US" smtClean="0"/>
               <a:t>2024/3/10</a:t>
             </a:fld>
@@ -1821,7 +1821,7 @@
           <p:cNvPr id="8" name="页脚占位符 7">
             <a:extLst>
               <a:ext uri="{FF2B5EF4-FFF2-40B4-BE49-F238E27FC236}">
-                <a16:creationId xmlns:a16="http://schemas.microsoft.com/office/drawing/2014/main" id="{721BBCE5-C685-7450-0D96-E75E494F9257}"/>
+                <a16:creationId xmlns:a16="http://schemas.microsoft.com/office/drawing/2014/main" id="{F255F8C7-E1EE-02B0-ECD1-E813D6C12E93}"/>
               </a:ext>
             </a:extLst>
           </p:cNvPr>
@@ -1846,7 +1846,7 @@
           <p:cNvPr id="9" name="灯片编号占位符 8">
             <a:extLst>
               <a:ext uri="{FF2B5EF4-FFF2-40B4-BE49-F238E27FC236}">
-                <a16:creationId xmlns:a16="http://schemas.microsoft.com/office/drawing/2014/main" id="{75FCB0B6-0678-95CF-3DEF-B91CCCF708D3}"/>
+                <a16:creationId xmlns:a16="http://schemas.microsoft.com/office/drawing/2014/main" id="{031EB93B-0E5F-4CB3-FE08-5D84AB42272A}"/>
               </a:ext>
             </a:extLst>
           </p:cNvPr>
@@ -1862,7 +1862,7 @@
           <a:bodyPr/>
           <a:lstStyle/>
           <a:p>
-            <a:fld id="{61789839-6B13-46D2-9E9A-3B30569D0337}" type="slidenum">
+            <a:fld id="{37E78ABC-EE6A-43CF-8073-0C0A50843726}" type="slidenum">
               <a:rPr lang="zh-CN" altLang="en-US" smtClean="0"/>
               <a:t>‹#›</a:t>
             </a:fld>
@@ -1873,7 +1873,7 @@
     </p:spTree>
     <p:extLst>
       <p:ext uri="{BB962C8B-B14F-4D97-AF65-F5344CB8AC3E}">
-        <p14:creationId xmlns:p14="http://schemas.microsoft.com/office/powerpoint/2010/main" val="2015769439"/>
+        <p14:creationId xmlns:p14="http://schemas.microsoft.com/office/powerpoint/2010/main" val="3302378451"/>
       </p:ext>
     </p:extLst>
   </p:cSld>
@@ -1905,7 +1905,7 @@
           <p:cNvPr id="2" name="标题 1">
             <a:extLst>
               <a:ext uri="{FF2B5EF4-FFF2-40B4-BE49-F238E27FC236}">
-                <a16:creationId xmlns:a16="http://schemas.microsoft.com/office/drawing/2014/main" id="{D299EAFA-3B93-6150-2149-6B9FF350138C}"/>
+                <a16:creationId xmlns:a16="http://schemas.microsoft.com/office/drawing/2014/main" id="{B3C4E079-4DB4-FF60-6599-087DB5139B19}"/>
               </a:ext>
             </a:extLst>
           </p:cNvPr>
@@ -1933,7 +1933,7 @@
           <p:cNvPr id="3" name="日期占位符 2">
             <a:extLst>
               <a:ext uri="{FF2B5EF4-FFF2-40B4-BE49-F238E27FC236}">
-                <a16:creationId xmlns:a16="http://schemas.microsoft.com/office/drawing/2014/main" id="{0A74ED90-560E-438B-A99D-873D1BAC410A}"/>
+                <a16:creationId xmlns:a16="http://schemas.microsoft.com/office/drawing/2014/main" id="{6F860748-27A0-DB23-FB3C-8404F1A20158}"/>
               </a:ext>
             </a:extLst>
           </p:cNvPr>
@@ -1949,7 +1949,7 @@
           <a:bodyPr/>
           <a:lstStyle/>
           <a:p>
-            <a:fld id="{74A8269C-9760-45FC-9357-2211A120E14D}" type="datetimeFigureOut">
+            <a:fld id="{CC8E023C-B920-4E7A-B83B-BFA9BA735DD6}" type="datetimeFigureOut">
               <a:rPr lang="zh-CN" altLang="en-US" smtClean="0"/>
               <a:t>2024/3/10</a:t>
             </a:fld>
@@ -1962,7 +1962,7 @@
           <p:cNvPr id="4" name="页脚占位符 3">
             <a:extLst>
               <a:ext uri="{FF2B5EF4-FFF2-40B4-BE49-F238E27FC236}">
-                <a16:creationId xmlns:a16="http://schemas.microsoft.com/office/drawing/2014/main" id="{5D8B1926-382F-1E80-D463-97E38425E066}"/>
+                <a16:creationId xmlns:a16="http://schemas.microsoft.com/office/drawing/2014/main" id="{A5FC8E95-2318-D3F1-2437-2E70C813123D}"/>
               </a:ext>
             </a:extLst>
           </p:cNvPr>
@@ -1987,7 +1987,7 @@
           <p:cNvPr id="5" name="灯片编号占位符 4">
             <a:extLst>
               <a:ext uri="{FF2B5EF4-FFF2-40B4-BE49-F238E27FC236}">
-                <a16:creationId xmlns:a16="http://schemas.microsoft.com/office/drawing/2014/main" id="{1A7CCF85-1092-9937-0950-7A572D512CA9}"/>
+                <a16:creationId xmlns:a16="http://schemas.microsoft.com/office/drawing/2014/main" id="{223580E8-86C1-A928-3949-A5DA49F64510}"/>
               </a:ext>
             </a:extLst>
           </p:cNvPr>
@@ -2003,7 +2003,7 @@
           <a:bodyPr/>
           <a:lstStyle/>
           <a:p>
-            <a:fld id="{61789839-6B13-46D2-9E9A-3B30569D0337}" type="slidenum">
+            <a:fld id="{37E78ABC-EE6A-43CF-8073-0C0A50843726}" type="slidenum">
               <a:rPr lang="zh-CN" altLang="en-US" smtClean="0"/>
               <a:t>‹#›</a:t>
             </a:fld>
@@ -2014,7 +2014,7 @@
     </p:spTree>
     <p:extLst>
       <p:ext uri="{BB962C8B-B14F-4D97-AF65-F5344CB8AC3E}">
-        <p14:creationId xmlns:p14="http://schemas.microsoft.com/office/powerpoint/2010/main" val="1472789435"/>
+        <p14:creationId xmlns:p14="http://schemas.microsoft.com/office/powerpoint/2010/main" val="3247992798"/>
       </p:ext>
     </p:extLst>
   </p:cSld>
@@ -2046,7 +2046,7 @@
           <p:cNvPr id="2" name="日期占位符 1">
             <a:extLst>
               <a:ext uri="{FF2B5EF4-FFF2-40B4-BE49-F238E27FC236}">
-                <a16:creationId xmlns:a16="http://schemas.microsoft.com/office/drawing/2014/main" id="{949D1F28-B3F6-C09A-3D4A-D980CE6C1643}"/>
+                <a16:creationId xmlns:a16="http://schemas.microsoft.com/office/drawing/2014/main" id="{CF12CA99-BE76-276E-5653-C5382E13684D}"/>
               </a:ext>
             </a:extLst>
           </p:cNvPr>
@@ -2062,7 +2062,7 @@
           <a:bodyPr/>
           <a:lstStyle/>
           <a:p>
-            <a:fld id="{74A8269C-9760-45FC-9357-2211A120E14D}" type="datetimeFigureOut">
+            <a:fld id="{CC8E023C-B920-4E7A-B83B-BFA9BA735DD6}" type="datetimeFigureOut">
               <a:rPr lang="zh-CN" altLang="en-US" smtClean="0"/>
               <a:t>2024/3/10</a:t>
             </a:fld>
@@ -2075,7 +2075,7 @@
           <p:cNvPr id="3" name="页脚占位符 2">
             <a:extLst>
               <a:ext uri="{FF2B5EF4-FFF2-40B4-BE49-F238E27FC236}">
-                <a16:creationId xmlns:a16="http://schemas.microsoft.com/office/drawing/2014/main" id="{30961AEA-F560-01FD-B198-F641D6CCD9D1}"/>
+                <a16:creationId xmlns:a16="http://schemas.microsoft.com/office/drawing/2014/main" id="{84074BAA-DE46-1BA3-136B-E32BA6953287}"/>
               </a:ext>
             </a:extLst>
           </p:cNvPr>
@@ -2100,7 +2100,7 @@
           <p:cNvPr id="4" name="灯片编号占位符 3">
             <a:extLst>
               <a:ext uri="{FF2B5EF4-FFF2-40B4-BE49-F238E27FC236}">
-                <a16:creationId xmlns:a16="http://schemas.microsoft.com/office/drawing/2014/main" id="{E4B7E08B-D4C4-14F7-89DF-281510C357C6}"/>
+                <a16:creationId xmlns:a16="http://schemas.microsoft.com/office/drawing/2014/main" id="{F63DDFEA-FEFF-394C-073E-946425252851}"/>
               </a:ext>
             </a:extLst>
           </p:cNvPr>
@@ -2116,7 +2116,7 @@
           <a:bodyPr/>
           <a:lstStyle/>
           <a:p>
-            <a:fld id="{61789839-6B13-46D2-9E9A-3B30569D0337}" type="slidenum">
+            <a:fld id="{37E78ABC-EE6A-43CF-8073-0C0A50843726}" type="slidenum">
               <a:rPr lang="zh-CN" altLang="en-US" smtClean="0"/>
               <a:t>‹#›</a:t>
             </a:fld>
@@ -2127,7 +2127,7 @@
     </p:spTree>
     <p:extLst>
       <p:ext uri="{BB962C8B-B14F-4D97-AF65-F5344CB8AC3E}">
-        <p14:creationId xmlns:p14="http://schemas.microsoft.com/office/powerpoint/2010/main" val="3513921984"/>
+        <p14:creationId xmlns:p14="http://schemas.microsoft.com/office/powerpoint/2010/main" val="2341111315"/>
       </p:ext>
     </p:extLst>
   </p:cSld>
@@ -2159,7 +2159,7 @@
           <p:cNvPr id="2" name="标题 1">
             <a:extLst>
               <a:ext uri="{FF2B5EF4-FFF2-40B4-BE49-F238E27FC236}">
-                <a16:creationId xmlns:a16="http://schemas.microsoft.com/office/drawing/2014/main" id="{6CFCE314-2019-1B25-DCD9-13F11154232D}"/>
+                <a16:creationId xmlns:a16="http://schemas.microsoft.com/office/drawing/2014/main" id="{2FBEA0C8-00D0-D1C4-E14F-DB078147DBB1}"/>
               </a:ext>
             </a:extLst>
           </p:cNvPr>
@@ -2196,7 +2196,7 @@
           <p:cNvPr id="3" name="内容占位符 2">
             <a:extLst>
               <a:ext uri="{FF2B5EF4-FFF2-40B4-BE49-F238E27FC236}">
-                <a16:creationId xmlns:a16="http://schemas.microsoft.com/office/drawing/2014/main" id="{2790D0F3-8A5E-D2FF-C61F-D41C1DE6FC3A}"/>
+                <a16:creationId xmlns:a16="http://schemas.microsoft.com/office/drawing/2014/main" id="{1BF576E8-F886-6D87-48D3-D2F4B63C12CA}"/>
               </a:ext>
             </a:extLst>
           </p:cNvPr>
@@ -2286,7 +2286,7 @@
           <p:cNvPr id="4" name="文本占位符 3">
             <a:extLst>
               <a:ext uri="{FF2B5EF4-FFF2-40B4-BE49-F238E27FC236}">
-                <a16:creationId xmlns:a16="http://schemas.microsoft.com/office/drawing/2014/main" id="{89F749E4-51FF-0B95-85F7-7CA3F1401DE0}"/>
+                <a16:creationId xmlns:a16="http://schemas.microsoft.com/office/drawing/2014/main" id="{1C3803D3-7121-2D9D-A856-0B9299428AFD}"/>
               </a:ext>
             </a:extLst>
           </p:cNvPr>
@@ -2357,7 +2357,7 @@
           <p:cNvPr id="5" name="日期占位符 4">
             <a:extLst>
               <a:ext uri="{FF2B5EF4-FFF2-40B4-BE49-F238E27FC236}">
-                <a16:creationId xmlns:a16="http://schemas.microsoft.com/office/drawing/2014/main" id="{AFC3BB2A-39A4-BB20-7C1E-05C263A3DCCF}"/>
+                <a16:creationId xmlns:a16="http://schemas.microsoft.com/office/drawing/2014/main" id="{50D02828-4188-5D89-D81C-E5D507176C0A}"/>
               </a:ext>
             </a:extLst>
           </p:cNvPr>
@@ -2373,7 +2373,7 @@
           <a:bodyPr/>
           <a:lstStyle/>
           <a:p>
-            <a:fld id="{74A8269C-9760-45FC-9357-2211A120E14D}" type="datetimeFigureOut">
+            <a:fld id="{CC8E023C-B920-4E7A-B83B-BFA9BA735DD6}" type="datetimeFigureOut">
               <a:rPr lang="zh-CN" altLang="en-US" smtClean="0"/>
               <a:t>2024/3/10</a:t>
             </a:fld>
@@ -2386,7 +2386,7 @@
           <p:cNvPr id="6" name="页脚占位符 5">
             <a:extLst>
               <a:ext uri="{FF2B5EF4-FFF2-40B4-BE49-F238E27FC236}">
-                <a16:creationId xmlns:a16="http://schemas.microsoft.com/office/drawing/2014/main" id="{A4891A5A-E7DF-52C4-E041-915CE41B1497}"/>
+                <a16:creationId xmlns:a16="http://schemas.microsoft.com/office/drawing/2014/main" id="{57725912-AA08-9493-7D03-42BD704811BE}"/>
               </a:ext>
             </a:extLst>
           </p:cNvPr>
@@ -2411,7 +2411,7 @@
           <p:cNvPr id="7" name="灯片编号占位符 6">
             <a:extLst>
               <a:ext uri="{FF2B5EF4-FFF2-40B4-BE49-F238E27FC236}">
-                <a16:creationId xmlns:a16="http://schemas.microsoft.com/office/drawing/2014/main" id="{C2BAA3F6-BFDF-03E9-C224-A266C3A159E9}"/>
+                <a16:creationId xmlns:a16="http://schemas.microsoft.com/office/drawing/2014/main" id="{4A6A0FD6-5A4C-6695-EC11-987D877F88BC}"/>
               </a:ext>
             </a:extLst>
           </p:cNvPr>
@@ -2427,7 +2427,7 @@
           <a:bodyPr/>
           <a:lstStyle/>
           <a:p>
-            <a:fld id="{61789839-6B13-46D2-9E9A-3B30569D0337}" type="slidenum">
+            <a:fld id="{37E78ABC-EE6A-43CF-8073-0C0A50843726}" type="slidenum">
               <a:rPr lang="zh-CN" altLang="en-US" smtClean="0"/>
               <a:t>‹#›</a:t>
             </a:fld>
@@ -2438,7 +2438,7 @@
     </p:spTree>
     <p:extLst>
       <p:ext uri="{BB962C8B-B14F-4D97-AF65-F5344CB8AC3E}">
-        <p14:creationId xmlns:p14="http://schemas.microsoft.com/office/powerpoint/2010/main" val="538785967"/>
+        <p14:creationId xmlns:p14="http://schemas.microsoft.com/office/powerpoint/2010/main" val="1967376337"/>
       </p:ext>
     </p:extLst>
   </p:cSld>
@@ -2470,7 +2470,7 @@
           <p:cNvPr id="2" name="标题 1">
             <a:extLst>
               <a:ext uri="{FF2B5EF4-FFF2-40B4-BE49-F238E27FC236}">
-                <a16:creationId xmlns:a16="http://schemas.microsoft.com/office/drawing/2014/main" id="{535A8289-AE52-AE8E-04A9-89FF45F5F0B0}"/>
+                <a16:creationId xmlns:a16="http://schemas.microsoft.com/office/drawing/2014/main" id="{543238CA-4D43-C48E-8A5F-35F48224FD91}"/>
               </a:ext>
             </a:extLst>
           </p:cNvPr>
@@ -2507,7 +2507,7 @@
           <p:cNvPr id="3" name="图片占位符 2">
             <a:extLst>
               <a:ext uri="{FF2B5EF4-FFF2-40B4-BE49-F238E27FC236}">
-                <a16:creationId xmlns:a16="http://schemas.microsoft.com/office/drawing/2014/main" id="{CF26526E-68C5-9B91-E746-03480FB547A5}"/>
+                <a16:creationId xmlns:a16="http://schemas.microsoft.com/office/drawing/2014/main" id="{3988857D-D54E-28A3-12FE-DF766DF4920F}"/>
               </a:ext>
             </a:extLst>
           </p:cNvPr>
@@ -2574,7 +2574,7 @@
           <p:cNvPr id="4" name="文本占位符 3">
             <a:extLst>
               <a:ext uri="{FF2B5EF4-FFF2-40B4-BE49-F238E27FC236}">
-                <a16:creationId xmlns:a16="http://schemas.microsoft.com/office/drawing/2014/main" id="{973FE8FB-9DDB-5892-92C4-A74FBD00ECD9}"/>
+                <a16:creationId xmlns:a16="http://schemas.microsoft.com/office/drawing/2014/main" id="{44A6F631-A5E3-7216-738F-1FD72F073E12}"/>
               </a:ext>
             </a:extLst>
           </p:cNvPr>
@@ -2645,7 +2645,7 @@
           <p:cNvPr id="5" name="日期占位符 4">
             <a:extLst>
               <a:ext uri="{FF2B5EF4-FFF2-40B4-BE49-F238E27FC236}">
-                <a16:creationId xmlns:a16="http://schemas.microsoft.com/office/drawing/2014/main" id="{E0651720-D57A-EDD5-D140-10B304037FE4}"/>
+                <a16:creationId xmlns:a16="http://schemas.microsoft.com/office/drawing/2014/main" id="{F9D69C4D-4692-F827-3DD3-54A0AE104471}"/>
               </a:ext>
             </a:extLst>
           </p:cNvPr>
@@ -2661,7 +2661,7 @@
           <a:bodyPr/>
           <a:lstStyle/>
           <a:p>
-            <a:fld id="{74A8269C-9760-45FC-9357-2211A120E14D}" type="datetimeFigureOut">
+            <a:fld id="{CC8E023C-B920-4E7A-B83B-BFA9BA735DD6}" type="datetimeFigureOut">
               <a:rPr lang="zh-CN" altLang="en-US" smtClean="0"/>
               <a:t>2024/3/10</a:t>
             </a:fld>
@@ -2674,7 +2674,7 @@
           <p:cNvPr id="6" name="页脚占位符 5">
             <a:extLst>
               <a:ext uri="{FF2B5EF4-FFF2-40B4-BE49-F238E27FC236}">
-                <a16:creationId xmlns:a16="http://schemas.microsoft.com/office/drawing/2014/main" id="{366F3439-C8A6-A731-C610-18BA34EB6110}"/>
+                <a16:creationId xmlns:a16="http://schemas.microsoft.com/office/drawing/2014/main" id="{4A0120DD-B4CC-F48F-45F7-83B7846FC474}"/>
               </a:ext>
             </a:extLst>
           </p:cNvPr>
@@ -2699,7 +2699,7 @@
           <p:cNvPr id="7" name="灯片编号占位符 6">
             <a:extLst>
               <a:ext uri="{FF2B5EF4-FFF2-40B4-BE49-F238E27FC236}">
-                <a16:creationId xmlns:a16="http://schemas.microsoft.com/office/drawing/2014/main" id="{471D52CF-BB48-98BD-BAE8-3A82B3B94F54}"/>
+                <a16:creationId xmlns:a16="http://schemas.microsoft.com/office/drawing/2014/main" id="{1C082A44-455B-EE32-C4CD-D0ACEBC6A527}"/>
               </a:ext>
             </a:extLst>
           </p:cNvPr>
@@ -2715,7 +2715,7 @@
           <a:bodyPr/>
           <a:lstStyle/>
           <a:p>
-            <a:fld id="{61789839-6B13-46D2-9E9A-3B30569D0337}" type="slidenum">
+            <a:fld id="{37E78ABC-EE6A-43CF-8073-0C0A50843726}" type="slidenum">
               <a:rPr lang="zh-CN" altLang="en-US" smtClean="0"/>
               <a:t>‹#›</a:t>
             </a:fld>
@@ -2726,7 +2726,7 @@
     </p:spTree>
     <p:extLst>
       <p:ext uri="{BB962C8B-B14F-4D97-AF65-F5344CB8AC3E}">
-        <p14:creationId xmlns:p14="http://schemas.microsoft.com/office/powerpoint/2010/main" val="1907946528"/>
+        <p14:creationId xmlns:p14="http://schemas.microsoft.com/office/powerpoint/2010/main" val="1158121330"/>
       </p:ext>
     </p:extLst>
   </p:cSld>
@@ -2763,7 +2763,7 @@
           <p:cNvPr id="2" name="标题占位符 1">
             <a:extLst>
               <a:ext uri="{FF2B5EF4-FFF2-40B4-BE49-F238E27FC236}">
-                <a16:creationId xmlns:a16="http://schemas.microsoft.com/office/drawing/2014/main" id="{4FB53FD4-DD91-0759-BD75-EA6454914902}"/>
+                <a16:creationId xmlns:a16="http://schemas.microsoft.com/office/drawing/2014/main" id="{973991CB-AC6B-334A-4177-A7FC22DAB53A}"/>
               </a:ext>
             </a:extLst>
           </p:cNvPr>
@@ -2801,7 +2801,7 @@
           <p:cNvPr id="3" name="文本占位符 2">
             <a:extLst>
               <a:ext uri="{FF2B5EF4-FFF2-40B4-BE49-F238E27FC236}">
-                <a16:creationId xmlns:a16="http://schemas.microsoft.com/office/drawing/2014/main" id="{5707882D-B19E-178E-7971-D7571008D2BF}"/>
+                <a16:creationId xmlns:a16="http://schemas.microsoft.com/office/drawing/2014/main" id="{0DA262B7-5762-1035-3E5A-2FAC47304BF7}"/>
               </a:ext>
             </a:extLst>
           </p:cNvPr>
@@ -2868,7 +2868,7 @@
           <p:cNvPr id="4" name="日期占位符 3">
             <a:extLst>
               <a:ext uri="{FF2B5EF4-FFF2-40B4-BE49-F238E27FC236}">
-                <a16:creationId xmlns:a16="http://schemas.microsoft.com/office/drawing/2014/main" id="{82A7F2CE-ACDE-17FC-D1F6-C474F36BF723}"/>
+                <a16:creationId xmlns:a16="http://schemas.microsoft.com/office/drawing/2014/main" id="{6FA5CEE6-7867-69B8-0339-0C028FD2EE70}"/>
               </a:ext>
             </a:extLst>
           </p:cNvPr>
@@ -2902,7 +2902,7 @@
             </a:lvl1pPr>
           </a:lstStyle>
           <a:p>
-            <a:fld id="{74A8269C-9760-45FC-9357-2211A120E14D}" type="datetimeFigureOut">
+            <a:fld id="{CC8E023C-B920-4E7A-B83B-BFA9BA735DD6}" type="datetimeFigureOut">
               <a:rPr lang="zh-CN" altLang="en-US" smtClean="0"/>
               <a:t>2024/3/10</a:t>
             </a:fld>
@@ -2915,7 +2915,7 @@
           <p:cNvPr id="5" name="页脚占位符 4">
             <a:extLst>
               <a:ext uri="{FF2B5EF4-FFF2-40B4-BE49-F238E27FC236}">
-                <a16:creationId xmlns:a16="http://schemas.microsoft.com/office/drawing/2014/main" id="{8EE553D2-4FAF-8566-C056-D9AAB3EF3914}"/>
+                <a16:creationId xmlns:a16="http://schemas.microsoft.com/office/drawing/2014/main" id="{E7F0B5E6-C57D-B72C-9E1E-786ECFEA2774}"/>
               </a:ext>
             </a:extLst>
           </p:cNvPr>
@@ -2958,7 +2958,7 @@
           <p:cNvPr id="6" name="灯片编号占位符 5">
             <a:extLst>
               <a:ext uri="{FF2B5EF4-FFF2-40B4-BE49-F238E27FC236}">
-                <a16:creationId xmlns:a16="http://schemas.microsoft.com/office/drawing/2014/main" id="{148DE211-EE81-4475-CA16-6B813B202A48}"/>
+                <a16:creationId xmlns:a16="http://schemas.microsoft.com/office/drawing/2014/main" id="{5D8750D2-6095-A010-0530-F646CE05872F}"/>
               </a:ext>
             </a:extLst>
           </p:cNvPr>
@@ -2992,7 +2992,7 @@
             </a:lvl1pPr>
           </a:lstStyle>
           <a:p>
-            <a:fld id="{61789839-6B13-46D2-9E9A-3B30569D0337}" type="slidenum">
+            <a:fld id="{37E78ABC-EE6A-43CF-8073-0C0A50843726}" type="slidenum">
               <a:rPr lang="zh-CN" altLang="en-US" smtClean="0"/>
               <a:t>‹#›</a:t>
             </a:fld>
@@ -3003,7 +3003,7 @@
     </p:spTree>
     <p:extLst>
       <p:ext uri="{BB962C8B-B14F-4D97-AF65-F5344CB8AC3E}">
-        <p14:creationId xmlns:p14="http://schemas.microsoft.com/office/powerpoint/2010/main" val="2358241382"/>
+        <p14:creationId xmlns:p14="http://schemas.microsoft.com/office/powerpoint/2010/main" val="332008243"/>
       </p:ext>
     </p:extLst>
   </p:cSld>
@@ -3323,7 +3323,7 @@
       </p:grpSpPr>
       <p:pic>
         <p:nvPicPr>
-          <p:cNvPr id="1515522" name="Picture 2" descr="1479"/>
+          <p:cNvPr id="1516546" name="Picture 2" descr="1480"/>
           <p:cNvPicPr>
             <a:picLocks noChangeAspect="1" noChangeArrowheads="1"/>
           </p:cNvPicPr>
@@ -3344,8 +3344,8 @@
         </p:blipFill>
         <p:spPr bwMode="auto">
           <a:xfrm>
-            <a:off x="1524000" y="1"/>
-            <a:ext cx="9144000" cy="6022975"/>
+            <a:off x="1524000" y="44451"/>
+            <a:ext cx="9144000" cy="6194425"/>
           </a:xfrm>
           <a:prstGeom prst="rect">
             <a:avLst/>
